--- a/First.pptx
+++ b/First.pptx
@@ -5457,14 +5457,14 @@
           <p:nvPr>
             <p:extLst>
               <p:ext uri="{D42A27DB-BD31-4B8C-83A1-F6EECF244321}">
-                <p14:modId xmlns:p14="http://schemas.microsoft.com/office/powerpoint/2010/main" val="2893831209"/>
+                <p14:modId xmlns:p14="http://schemas.microsoft.com/office/powerpoint/2010/main" val="2480665128"/>
               </p:ext>
             </p:extLst>
           </p:nvPr>
         </p:nvGraphicFramePr>
         <p:xfrm>
           <a:off x="1547664" y="1268761"/>
-          <a:ext cx="5616624" cy="4842763"/>
+          <a:ext cx="5616624" cy="4830190"/>
         </p:xfrm>
         <a:graphic>
           <a:graphicData uri="http://schemas.openxmlformats.org/drawingml/2006/table">
@@ -5547,11 +5547,25 @@
                     <a:p>
                       <a:pPr algn="ctr" latinLnBrk="1"/>
                       <a:r>
+                        <a:rPr lang="en-US" altLang="ko-KR" sz="1400" dirty="0" smtClean="0">
+                          <a:latin typeface="HY나무B" panose="02030600000101010101" pitchFamily="18" charset="-127"/>
+                          <a:ea typeface="HY나무B" panose="02030600000101010101" pitchFamily="18" charset="-127"/>
+                        </a:rPr>
+                        <a:t>Pico2d</a:t>
+                      </a:r>
+                      <a:r>
+                        <a:rPr lang="en-US" altLang="ko-KR" sz="1400" baseline="0" dirty="0" smtClean="0">
+                          <a:latin typeface="HY나무B" panose="02030600000101010101" pitchFamily="18" charset="-127"/>
+                          <a:ea typeface="HY나무B" panose="02030600000101010101" pitchFamily="18" charset="-127"/>
+                        </a:rPr>
+                        <a:t> </a:t>
+                      </a:r>
+                      <a:r>
                         <a:rPr lang="ko-KR" altLang="en-US" sz="1400" baseline="0" dirty="0" smtClean="0">
                           <a:latin typeface="HY나무B" panose="02030600000101010101" pitchFamily="18" charset="-127"/>
                           <a:ea typeface="HY나무B" panose="02030600000101010101" pitchFamily="18" charset="-127"/>
                         </a:rPr>
-                        <a:t>게임 리소스 수집</a:t>
+                        <a:t>공부</a:t>
                       </a:r>
                       <a:endParaRPr lang="ko-KR" altLang="en-US" sz="1400" dirty="0">
                         <a:latin typeface="HY나무B" panose="02030600000101010101" pitchFamily="18" charset="-127"/>
@@ -5598,70 +5612,32 @@
                     <a:p>
                       <a:pPr algn="ctr" latinLnBrk="1"/>
                       <a:r>
+                        <a:rPr lang="ko-KR" altLang="en-US" sz="1400" dirty="0" err="1" smtClean="0">
+                          <a:latin typeface="HY나무B" panose="02030600000101010101" pitchFamily="18" charset="-127"/>
+                          <a:ea typeface="HY나무B" panose="02030600000101010101" pitchFamily="18" charset="-127"/>
+                        </a:rPr>
+                        <a:t>맵</a:t>
+                      </a:r>
+                      <a:r>
                         <a:rPr lang="ko-KR" altLang="en-US" sz="1400" dirty="0" smtClean="0">
                           <a:latin typeface="HY나무B" panose="02030600000101010101" pitchFamily="18" charset="-127"/>
                           <a:ea typeface="HY나무B" panose="02030600000101010101" pitchFamily="18" charset="-127"/>
                         </a:rPr>
-                        <a:t>게임 객체 설계 </a:t>
+                        <a:t> 스크롤</a:t>
                       </a:r>
                       <a:r>
                         <a:rPr lang="en-US" altLang="ko-KR" sz="1400" dirty="0" smtClean="0">
                           <a:latin typeface="HY나무B" panose="02030600000101010101" pitchFamily="18" charset="-127"/>
                           <a:ea typeface="HY나무B" panose="02030600000101010101" pitchFamily="18" charset="-127"/>
                         </a:rPr>
-                        <a:t>/ </a:t>
+                        <a:t>, </a:t>
                       </a:r>
                       <a:r>
                         <a:rPr lang="ko-KR" altLang="en-US" sz="1400" dirty="0" smtClean="0">
                           <a:latin typeface="HY나무B" panose="02030600000101010101" pitchFamily="18" charset="-127"/>
                           <a:ea typeface="HY나무B" panose="02030600000101010101" pitchFamily="18" charset="-127"/>
                         </a:rPr>
-                        <a:t>캐릭터 이동</a:t>
-                      </a:r>
-                      <a:r>
-                        <a:rPr lang="en-US" altLang="ko-KR" sz="1400" dirty="0" smtClean="0">
-                          <a:latin typeface="HY나무B" panose="02030600000101010101" pitchFamily="18" charset="-127"/>
-                          <a:ea typeface="HY나무B" panose="02030600000101010101" pitchFamily="18" charset="-127"/>
-                        </a:rPr>
-                        <a:t>(</a:t>
-                      </a:r>
-                      <a:r>
-                        <a:rPr lang="ko-KR" altLang="en-US" sz="1400" dirty="0" smtClean="0">
-                          <a:latin typeface="HY나무B" panose="02030600000101010101" pitchFamily="18" charset="-127"/>
-                          <a:ea typeface="HY나무B" panose="02030600000101010101" pitchFamily="18" charset="-127"/>
-                        </a:rPr>
-                        <a:t>애니메이션</a:t>
-                      </a:r>
-                      <a:r>
-                        <a:rPr lang="en-US" altLang="ko-KR" sz="1400" dirty="0" smtClean="0">
-                          <a:latin typeface="HY나무B" panose="02030600000101010101" pitchFamily="18" charset="-127"/>
-                          <a:ea typeface="HY나무B" panose="02030600000101010101" pitchFamily="18" charset="-127"/>
-                        </a:rPr>
-                        <a:t>)</a:t>
-                      </a:r>
-                    </a:p>
-                    <a:p>
-                      <a:pPr algn="ctr" latinLnBrk="1"/>
-                      <a:r>
-                        <a:rPr lang="ko-KR" altLang="en-US" sz="1400" dirty="0" smtClean="0">
-                          <a:latin typeface="HY나무B" panose="02030600000101010101" pitchFamily="18" charset="-127"/>
-                          <a:ea typeface="HY나무B" panose="02030600000101010101" pitchFamily="18" charset="-127"/>
-                        </a:rPr>
-                        <a:t>이동에 따른 </a:t>
-                      </a:r>
-                      <a:r>
-                        <a:rPr lang="ko-KR" altLang="en-US" sz="1400" dirty="0" err="1" smtClean="0">
-                          <a:latin typeface="HY나무B" panose="02030600000101010101" pitchFamily="18" charset="-127"/>
-                          <a:ea typeface="HY나무B" panose="02030600000101010101" pitchFamily="18" charset="-127"/>
-                        </a:rPr>
-                        <a:t>맵</a:t>
-                      </a:r>
-                      <a:r>
-                        <a:rPr lang="ko-KR" altLang="en-US" sz="1400" dirty="0" smtClean="0">
-                          <a:latin typeface="HY나무B" panose="02030600000101010101" pitchFamily="18" charset="-127"/>
-                          <a:ea typeface="HY나무B" panose="02030600000101010101" pitchFamily="18" charset="-127"/>
-                        </a:rPr>
-                        <a:t> 스크롤 구현</a:t>
+                        <a:t>캐릭터 이동 구현</a:t>
                       </a:r>
                       <a:endParaRPr lang="ko-KR" altLang="en-US" sz="1400" dirty="0">
                         <a:latin typeface="HY나무B" panose="02030600000101010101" pitchFamily="18" charset="-127"/>
@@ -5708,6 +5684,13 @@
                     <a:p>
                       <a:pPr algn="ctr" latinLnBrk="1"/>
                       <a:r>
+                        <a:rPr lang="ko-KR" altLang="en-US" sz="1400" dirty="0" smtClean="0">
+                          <a:latin typeface="HY나무B" panose="02030600000101010101" pitchFamily="18" charset="-127"/>
+                          <a:ea typeface="HY나무B" panose="02030600000101010101" pitchFamily="18" charset="-127"/>
+                        </a:rPr>
+                        <a:t>전체 </a:t>
+                      </a:r>
+                      <a:r>
                         <a:rPr lang="ko-KR" altLang="en-US" sz="1400" dirty="0" err="1" smtClean="0">
                           <a:latin typeface="HY나무B" panose="02030600000101010101" pitchFamily="18" charset="-127"/>
                           <a:ea typeface="HY나무B" panose="02030600000101010101" pitchFamily="18" charset="-127"/>
@@ -5719,7 +5702,7 @@
                           <a:latin typeface="HY나무B" panose="02030600000101010101" pitchFamily="18" charset="-127"/>
                           <a:ea typeface="HY나무B" panose="02030600000101010101" pitchFamily="18" charset="-127"/>
                         </a:rPr>
-                        <a:t> 설계 및 구현</a:t>
+                        <a:t> 설계</a:t>
                       </a:r>
                       <a:endParaRPr lang="ko-KR" altLang="en-US" sz="1400" dirty="0">
                         <a:latin typeface="HY나무B" panose="02030600000101010101" pitchFamily="18" charset="-127"/>
@@ -5778,6 +5761,34 @@
                           <a:ea typeface="HY나무B" panose="02030600000101010101" pitchFamily="18" charset="-127"/>
                         </a:rPr>
                         <a:t>차 발표 </a:t>
+                      </a:r>
+                      <a:r>
+                        <a:rPr lang="en-US" altLang="ko-KR" sz="1400" dirty="0" smtClean="0">
+                          <a:latin typeface="HY나무B" panose="02030600000101010101" pitchFamily="18" charset="-127"/>
+                          <a:ea typeface="HY나무B" panose="02030600000101010101" pitchFamily="18" charset="-127"/>
+                        </a:rPr>
+                        <a:t>/ </a:t>
+                      </a:r>
+                      <a:r>
+                        <a:rPr lang="ko-KR" altLang="en-US" sz="1400" smtClean="0">
+                          <a:latin typeface="HY나무B" panose="02030600000101010101" pitchFamily="18" charset="-127"/>
+                          <a:ea typeface="HY나무B" panose="02030600000101010101" pitchFamily="18" charset="-127"/>
+                        </a:rPr>
+                        <a:t>수집</a:t>
+                      </a:r>
+                      <a:r>
+                        <a:rPr lang="en-US" altLang="ko-KR" sz="1400" baseline="0" smtClean="0">
+                          <a:latin typeface="HY나무B" panose="02030600000101010101" pitchFamily="18" charset="-127"/>
+                          <a:ea typeface="HY나무B" panose="02030600000101010101" pitchFamily="18" charset="-127"/>
+                        </a:rPr>
+                        <a:t> </a:t>
+                      </a:r>
+                      <a:r>
+                        <a:rPr lang="ko-KR" altLang="en-US" sz="1400" baseline="0" smtClean="0">
+                          <a:latin typeface="HY나무B" panose="02030600000101010101" pitchFamily="18" charset="-127"/>
+                          <a:ea typeface="HY나무B" panose="02030600000101010101" pitchFamily="18" charset="-127"/>
+                        </a:rPr>
+                        <a:t>시스템 구현</a:t>
                       </a:r>
                       <a:endParaRPr lang="ko-KR" altLang="en-US" sz="1400" dirty="0">
                         <a:latin typeface="HY나무B" panose="02030600000101010101" pitchFamily="18" charset="-127"/>

--- a/First.pptx
+++ b/First.pptx
@@ -294,7 +294,7 @@
           <a:p>
             <a:fld id="{FB30EDBD-1C2D-4C1E-B459-B60219FAB484}" type="datetimeFigureOut">
               <a:rPr lang="ko-KR" altLang="en-US" smtClean="0"/>
-              <a:t>2015-09-29</a:t>
+              <a:t>2015-10-08</a:t>
             </a:fld>
             <a:endParaRPr lang="ko-KR" altLang="en-US"/>
           </a:p>
@@ -459,7 +459,7 @@
           <a:p>
             <a:fld id="{FB30EDBD-1C2D-4C1E-B459-B60219FAB484}" type="datetimeFigureOut">
               <a:rPr lang="ko-KR" altLang="en-US" smtClean="0"/>
-              <a:t>2015-09-29</a:t>
+              <a:t>2015-10-08</a:t>
             </a:fld>
             <a:endParaRPr lang="ko-KR" altLang="en-US"/>
           </a:p>
@@ -634,7 +634,7 @@
           <a:p>
             <a:fld id="{FB30EDBD-1C2D-4C1E-B459-B60219FAB484}" type="datetimeFigureOut">
               <a:rPr lang="ko-KR" altLang="en-US" smtClean="0"/>
-              <a:t>2015-09-29</a:t>
+              <a:t>2015-10-08</a:t>
             </a:fld>
             <a:endParaRPr lang="ko-KR" altLang="en-US"/>
           </a:p>
@@ -799,7 +799,7 @@
           <a:p>
             <a:fld id="{FB30EDBD-1C2D-4C1E-B459-B60219FAB484}" type="datetimeFigureOut">
               <a:rPr lang="ko-KR" altLang="en-US" smtClean="0"/>
-              <a:t>2015-09-29</a:t>
+              <a:t>2015-10-08</a:t>
             </a:fld>
             <a:endParaRPr lang="ko-KR" altLang="en-US"/>
           </a:p>
@@ -1040,7 +1040,7 @@
           <a:p>
             <a:fld id="{FB30EDBD-1C2D-4C1E-B459-B60219FAB484}" type="datetimeFigureOut">
               <a:rPr lang="ko-KR" altLang="en-US" smtClean="0"/>
-              <a:t>2015-09-29</a:t>
+              <a:t>2015-10-08</a:t>
             </a:fld>
             <a:endParaRPr lang="ko-KR" altLang="en-US"/>
           </a:p>
@@ -1323,7 +1323,7 @@
           <a:p>
             <a:fld id="{FB30EDBD-1C2D-4C1E-B459-B60219FAB484}" type="datetimeFigureOut">
               <a:rPr lang="ko-KR" altLang="en-US" smtClean="0"/>
-              <a:t>2015-09-29</a:t>
+              <a:t>2015-10-08</a:t>
             </a:fld>
             <a:endParaRPr lang="ko-KR" altLang="en-US"/>
           </a:p>
@@ -1740,7 +1740,7 @@
           <a:p>
             <a:fld id="{FB30EDBD-1C2D-4C1E-B459-B60219FAB484}" type="datetimeFigureOut">
               <a:rPr lang="ko-KR" altLang="en-US" smtClean="0"/>
-              <a:t>2015-09-29</a:t>
+              <a:t>2015-10-08</a:t>
             </a:fld>
             <a:endParaRPr lang="ko-KR" altLang="en-US"/>
           </a:p>
@@ -1853,7 +1853,7 @@
           <a:p>
             <a:fld id="{FB30EDBD-1C2D-4C1E-B459-B60219FAB484}" type="datetimeFigureOut">
               <a:rPr lang="ko-KR" altLang="en-US" smtClean="0"/>
-              <a:t>2015-09-29</a:t>
+              <a:t>2015-10-08</a:t>
             </a:fld>
             <a:endParaRPr lang="ko-KR" altLang="en-US"/>
           </a:p>
@@ -1943,7 +1943,7 @@
           <a:p>
             <a:fld id="{FB30EDBD-1C2D-4C1E-B459-B60219FAB484}" type="datetimeFigureOut">
               <a:rPr lang="ko-KR" altLang="en-US" smtClean="0"/>
-              <a:t>2015-09-29</a:t>
+              <a:t>2015-10-08</a:t>
             </a:fld>
             <a:endParaRPr lang="ko-KR" altLang="en-US"/>
           </a:p>
@@ -2215,7 +2215,7 @@
           <a:p>
             <a:fld id="{FB30EDBD-1C2D-4C1E-B459-B60219FAB484}" type="datetimeFigureOut">
               <a:rPr lang="ko-KR" altLang="en-US" smtClean="0"/>
-              <a:t>2015-09-29</a:t>
+              <a:t>2015-10-08</a:t>
             </a:fld>
             <a:endParaRPr lang="ko-KR" altLang="en-US"/>
           </a:p>
@@ -2463,7 +2463,7 @@
           <a:p>
             <a:fld id="{FB30EDBD-1C2D-4C1E-B459-B60219FAB484}" type="datetimeFigureOut">
               <a:rPr lang="ko-KR" altLang="en-US" smtClean="0"/>
-              <a:t>2015-09-29</a:t>
+              <a:t>2015-10-08</a:t>
             </a:fld>
             <a:endParaRPr lang="ko-KR" altLang="en-US"/>
           </a:p>
@@ -2671,7 +2671,7 @@
           <a:p>
             <a:fld id="{FB30EDBD-1C2D-4C1E-B459-B60219FAB484}" type="datetimeFigureOut">
               <a:rPr lang="ko-KR" altLang="en-US" smtClean="0"/>
-              <a:t>2015-09-29</a:t>
+              <a:t>2015-10-08</a:t>
             </a:fld>
             <a:endParaRPr lang="ko-KR" altLang="en-US"/>
           </a:p>
@@ -5457,7 +5457,7 @@
           <p:nvPr>
             <p:extLst>
               <p:ext uri="{D42A27DB-BD31-4B8C-83A1-F6EECF244321}">
-                <p14:modId xmlns:p14="http://schemas.microsoft.com/office/powerpoint/2010/main" val="2480665128"/>
+                <p14:modId xmlns:p14="http://schemas.microsoft.com/office/powerpoint/2010/main" val="3842366167"/>
               </p:ext>
             </p:extLst>
           </p:nvPr>
@@ -5762,34 +5762,6 @@
                         </a:rPr>
                         <a:t>차 발표 </a:t>
                       </a:r>
-                      <a:r>
-                        <a:rPr lang="en-US" altLang="ko-KR" sz="1400" dirty="0" smtClean="0">
-                          <a:latin typeface="HY나무B" panose="02030600000101010101" pitchFamily="18" charset="-127"/>
-                          <a:ea typeface="HY나무B" panose="02030600000101010101" pitchFamily="18" charset="-127"/>
-                        </a:rPr>
-                        <a:t>/ </a:t>
-                      </a:r>
-                      <a:r>
-                        <a:rPr lang="ko-KR" altLang="en-US" sz="1400" smtClean="0">
-                          <a:latin typeface="HY나무B" panose="02030600000101010101" pitchFamily="18" charset="-127"/>
-                          <a:ea typeface="HY나무B" panose="02030600000101010101" pitchFamily="18" charset="-127"/>
-                        </a:rPr>
-                        <a:t>수집</a:t>
-                      </a:r>
-                      <a:r>
-                        <a:rPr lang="en-US" altLang="ko-KR" sz="1400" baseline="0" smtClean="0">
-                          <a:latin typeface="HY나무B" panose="02030600000101010101" pitchFamily="18" charset="-127"/>
-                          <a:ea typeface="HY나무B" panose="02030600000101010101" pitchFamily="18" charset="-127"/>
-                        </a:rPr>
-                        <a:t> </a:t>
-                      </a:r>
-                      <a:r>
-                        <a:rPr lang="ko-KR" altLang="en-US" sz="1400" baseline="0" smtClean="0">
-                          <a:latin typeface="HY나무B" panose="02030600000101010101" pitchFamily="18" charset="-127"/>
-                          <a:ea typeface="HY나무B" panose="02030600000101010101" pitchFamily="18" charset="-127"/>
-                        </a:rPr>
-                        <a:t>시스템 구현</a:t>
-                      </a:r>
                       <a:endParaRPr lang="ko-KR" altLang="en-US" sz="1400" dirty="0">
                         <a:latin typeface="HY나무B" panose="02030600000101010101" pitchFamily="18" charset="-127"/>
                         <a:ea typeface="HY나무B" panose="02030600000101010101" pitchFamily="18" charset="-127"/>
@@ -5853,7 +5825,21 @@
                           <a:latin typeface="HY나무B" panose="02030600000101010101" pitchFamily="18" charset="-127"/>
                           <a:ea typeface="HY나무B" panose="02030600000101010101" pitchFamily="18" charset="-127"/>
                         </a:rPr>
-                        <a:t>아이템 효과 및 조합 구현</a:t>
+                        <a:t>수집</a:t>
+                      </a:r>
+                      <a:r>
+                        <a:rPr lang="en-US" altLang="ko-KR" sz="1400" baseline="0" dirty="0" smtClean="0">
+                          <a:latin typeface="HY나무B" panose="02030600000101010101" pitchFamily="18" charset="-127"/>
+                          <a:ea typeface="HY나무B" panose="02030600000101010101" pitchFamily="18" charset="-127"/>
+                        </a:rPr>
+                        <a:t> </a:t>
+                      </a:r>
+                      <a:r>
+                        <a:rPr lang="ko-KR" altLang="en-US" sz="1400" baseline="0" dirty="0" smtClean="0">
+                          <a:latin typeface="HY나무B" panose="02030600000101010101" pitchFamily="18" charset="-127"/>
+                          <a:ea typeface="HY나무B" panose="02030600000101010101" pitchFamily="18" charset="-127"/>
+                        </a:rPr>
+                        <a:t>시스템 구현</a:t>
                       </a:r>
                       <a:endParaRPr lang="ko-KR" altLang="en-US" sz="1400" dirty="0">
                         <a:latin typeface="HY나무B" panose="02030600000101010101" pitchFamily="18" charset="-127"/>
@@ -5898,7 +5884,23 @@
                     <a:bodyPr/>
                     <a:lstStyle/>
                     <a:p>
-                      <a:pPr algn="ctr" latinLnBrk="1"/>
+                      <a:pPr marL="0" marR="0" indent="0" algn="ctr" defTabSz="914400" rtl="0" eaLnBrk="1" fontAlgn="auto" latinLnBrk="1" hangingPunct="1">
+                        <a:lnSpc>
+                          <a:spcPct val="100000"/>
+                        </a:lnSpc>
+                        <a:spcBef>
+                          <a:spcPts val="0"/>
+                        </a:spcBef>
+                        <a:spcAft>
+                          <a:spcPts val="0"/>
+                        </a:spcAft>
+                        <a:buClrTx/>
+                        <a:buSzTx/>
+                        <a:buFontTx/>
+                        <a:buNone/>
+                        <a:tabLst/>
+                        <a:defRPr/>
+                      </a:pPr>
                       <a:r>
                         <a:rPr lang="ko-KR" altLang="en-US" sz="1400" dirty="0" smtClean="0">
                           <a:latin typeface="HY나무B" panose="02030600000101010101" pitchFamily="18" charset="-127"/>
@@ -5906,10 +5908,20 @@
                         </a:rPr>
                         <a:t>사운드 삽입 </a:t>
                       </a:r>
-                      <a:endParaRPr lang="ko-KR" altLang="en-US" sz="1400" dirty="0">
-                        <a:latin typeface="HY나무B" panose="02030600000101010101" pitchFamily="18" charset="-127"/>
-                        <a:ea typeface="HY나무B" panose="02030600000101010101" pitchFamily="18" charset="-127"/>
-                      </a:endParaRPr>
+                      <a:r>
+                        <a:rPr lang="en-US" altLang="ko-KR" sz="1400" dirty="0" smtClean="0">
+                          <a:latin typeface="HY나무B" panose="02030600000101010101" pitchFamily="18" charset="-127"/>
+                          <a:ea typeface="HY나무B" panose="02030600000101010101" pitchFamily="18" charset="-127"/>
+                        </a:rPr>
+                        <a:t>, </a:t>
+                      </a:r>
+                      <a:r>
+                        <a:rPr lang="ko-KR" altLang="en-US" sz="1400" smtClean="0">
+                          <a:latin typeface="HY나무B" panose="02030600000101010101" pitchFamily="18" charset="-127"/>
+                          <a:ea typeface="HY나무B" panose="02030600000101010101" pitchFamily="18" charset="-127"/>
+                        </a:rPr>
+                        <a:t>아이템 효과 및 조합 구현</a:t>
+                      </a:r>
                     </a:p>
                   </a:txBody>
                   <a:tcPr/>

--- a/First.pptx
+++ b/First.pptx
@@ -294,7 +294,7 @@
           <a:p>
             <a:fld id="{FB30EDBD-1C2D-4C1E-B459-B60219FAB484}" type="datetimeFigureOut">
               <a:rPr lang="ko-KR" altLang="en-US" smtClean="0"/>
-              <a:t>2015-10-08</a:t>
+              <a:t>2015-10-25</a:t>
             </a:fld>
             <a:endParaRPr lang="ko-KR" altLang="en-US"/>
           </a:p>
@@ -459,7 +459,7 @@
           <a:p>
             <a:fld id="{FB30EDBD-1C2D-4C1E-B459-B60219FAB484}" type="datetimeFigureOut">
               <a:rPr lang="ko-KR" altLang="en-US" smtClean="0"/>
-              <a:t>2015-10-08</a:t>
+              <a:t>2015-10-25</a:t>
             </a:fld>
             <a:endParaRPr lang="ko-KR" altLang="en-US"/>
           </a:p>
@@ -634,7 +634,7 @@
           <a:p>
             <a:fld id="{FB30EDBD-1C2D-4C1E-B459-B60219FAB484}" type="datetimeFigureOut">
               <a:rPr lang="ko-KR" altLang="en-US" smtClean="0"/>
-              <a:t>2015-10-08</a:t>
+              <a:t>2015-10-25</a:t>
             </a:fld>
             <a:endParaRPr lang="ko-KR" altLang="en-US"/>
           </a:p>
@@ -799,7 +799,7 @@
           <a:p>
             <a:fld id="{FB30EDBD-1C2D-4C1E-B459-B60219FAB484}" type="datetimeFigureOut">
               <a:rPr lang="ko-KR" altLang="en-US" smtClean="0"/>
-              <a:t>2015-10-08</a:t>
+              <a:t>2015-10-25</a:t>
             </a:fld>
             <a:endParaRPr lang="ko-KR" altLang="en-US"/>
           </a:p>
@@ -1040,7 +1040,7 @@
           <a:p>
             <a:fld id="{FB30EDBD-1C2D-4C1E-B459-B60219FAB484}" type="datetimeFigureOut">
               <a:rPr lang="ko-KR" altLang="en-US" smtClean="0"/>
-              <a:t>2015-10-08</a:t>
+              <a:t>2015-10-25</a:t>
             </a:fld>
             <a:endParaRPr lang="ko-KR" altLang="en-US"/>
           </a:p>
@@ -1323,7 +1323,7 @@
           <a:p>
             <a:fld id="{FB30EDBD-1C2D-4C1E-B459-B60219FAB484}" type="datetimeFigureOut">
               <a:rPr lang="ko-KR" altLang="en-US" smtClean="0"/>
-              <a:t>2015-10-08</a:t>
+              <a:t>2015-10-25</a:t>
             </a:fld>
             <a:endParaRPr lang="ko-KR" altLang="en-US"/>
           </a:p>
@@ -1740,7 +1740,7 @@
           <a:p>
             <a:fld id="{FB30EDBD-1C2D-4C1E-B459-B60219FAB484}" type="datetimeFigureOut">
               <a:rPr lang="ko-KR" altLang="en-US" smtClean="0"/>
-              <a:t>2015-10-08</a:t>
+              <a:t>2015-10-25</a:t>
             </a:fld>
             <a:endParaRPr lang="ko-KR" altLang="en-US"/>
           </a:p>
@@ -1853,7 +1853,7 @@
           <a:p>
             <a:fld id="{FB30EDBD-1C2D-4C1E-B459-B60219FAB484}" type="datetimeFigureOut">
               <a:rPr lang="ko-KR" altLang="en-US" smtClean="0"/>
-              <a:t>2015-10-08</a:t>
+              <a:t>2015-10-25</a:t>
             </a:fld>
             <a:endParaRPr lang="ko-KR" altLang="en-US"/>
           </a:p>
@@ -1943,7 +1943,7 @@
           <a:p>
             <a:fld id="{FB30EDBD-1C2D-4C1E-B459-B60219FAB484}" type="datetimeFigureOut">
               <a:rPr lang="ko-KR" altLang="en-US" smtClean="0"/>
-              <a:t>2015-10-08</a:t>
+              <a:t>2015-10-25</a:t>
             </a:fld>
             <a:endParaRPr lang="ko-KR" altLang="en-US"/>
           </a:p>
@@ -2215,7 +2215,7 @@
           <a:p>
             <a:fld id="{FB30EDBD-1C2D-4C1E-B459-B60219FAB484}" type="datetimeFigureOut">
               <a:rPr lang="ko-KR" altLang="en-US" smtClean="0"/>
-              <a:t>2015-10-08</a:t>
+              <a:t>2015-10-25</a:t>
             </a:fld>
             <a:endParaRPr lang="ko-KR" altLang="en-US"/>
           </a:p>
@@ -2463,7 +2463,7 @@
           <a:p>
             <a:fld id="{FB30EDBD-1C2D-4C1E-B459-B60219FAB484}" type="datetimeFigureOut">
               <a:rPr lang="ko-KR" altLang="en-US" smtClean="0"/>
-              <a:t>2015-10-08</a:t>
+              <a:t>2015-10-25</a:t>
             </a:fld>
             <a:endParaRPr lang="ko-KR" altLang="en-US"/>
           </a:p>
@@ -2671,7 +2671,7 @@
           <a:p>
             <a:fld id="{FB30EDBD-1C2D-4C1E-B459-B60219FAB484}" type="datetimeFigureOut">
               <a:rPr lang="ko-KR" altLang="en-US" smtClean="0"/>
-              <a:t>2015-10-08</a:t>
+              <a:t>2015-10-25</a:t>
             </a:fld>
             <a:endParaRPr lang="ko-KR" altLang="en-US"/>
           </a:p>
@@ -5457,7 +5457,7 @@
           <p:nvPr>
             <p:extLst>
               <p:ext uri="{D42A27DB-BD31-4B8C-83A1-F6EECF244321}">
-                <p14:modId xmlns:p14="http://schemas.microsoft.com/office/powerpoint/2010/main" val="3842366167"/>
+                <p14:modId xmlns:p14="http://schemas.microsoft.com/office/powerpoint/2010/main" val="3522246011"/>
               </p:ext>
             </p:extLst>
           </p:nvPr>
@@ -5565,7 +5565,7 @@
                           <a:latin typeface="HY나무B" panose="02030600000101010101" pitchFamily="18" charset="-127"/>
                           <a:ea typeface="HY나무B" panose="02030600000101010101" pitchFamily="18" charset="-127"/>
                         </a:rPr>
-                        <a:t>공부</a:t>
+                        <a:t>구경</a:t>
                       </a:r>
                       <a:endParaRPr lang="ko-KR" altLang="en-US" sz="1400" dirty="0">
                         <a:latin typeface="HY나무B" panose="02030600000101010101" pitchFamily="18" charset="-127"/>
